--- a/01.Helloworld.pptx
+++ b/01.Helloworld.pptx
@@ -15,8 +15,10 @@
     <p:sldId id="262" r:id="rId9"/>
     <p:sldId id="264" r:id="rId10"/>
     <p:sldId id="265" r:id="rId11"/>
-    <p:sldId id="266" r:id="rId12"/>
-    <p:sldId id="267" r:id="rId13"/>
+    <p:sldId id="268" r:id="rId12"/>
+    <p:sldId id="269" r:id="rId13"/>
+    <p:sldId id="266" r:id="rId14"/>
+    <p:sldId id="267" r:id="rId15"/>
   </p:sldIdLst>
   <p:sldSz cx="12192000" cy="6858000"/>
   <p:notesSz cx="6858000" cy="9144000"/>
@@ -847,7 +849,7 @@
           <a:p>
             <a:fld id="{E7E49A89-72C0-40C6-A55C-C6C12D525ACC}" type="datetimeFigureOut">
               <a:rPr lang="en-US" smtClean="0"/>
-              <a:t>6/6/2024</a:t>
+              <a:t>6/15/2024</a:t>
             </a:fld>
             <a:endParaRPr lang="en-US"/>
           </a:p>
@@ -1098,7 +1100,7 @@
           <a:p>
             <a:fld id="{E7E49A89-72C0-40C6-A55C-C6C12D525ACC}" type="datetimeFigureOut">
               <a:rPr lang="en-US" smtClean="0"/>
-              <a:t>6/6/2024</a:t>
+              <a:t>6/15/2024</a:t>
             </a:fld>
             <a:endParaRPr lang="en-US"/>
           </a:p>
@@ -1412,7 +1414,7 @@
           <a:p>
             <a:fld id="{E7E49A89-72C0-40C6-A55C-C6C12D525ACC}" type="datetimeFigureOut">
               <a:rPr lang="en-US" smtClean="0"/>
-              <a:t>6/6/2024</a:t>
+              <a:t>6/15/2024</a:t>
             </a:fld>
             <a:endParaRPr lang="en-US"/>
           </a:p>
@@ -1739,7 +1741,7 @@
           <a:p>
             <a:fld id="{E7E49A89-72C0-40C6-A55C-C6C12D525ACC}" type="datetimeFigureOut">
               <a:rPr lang="en-US" smtClean="0"/>
-              <a:t>6/6/2024</a:t>
+              <a:t>6/15/2024</a:t>
             </a:fld>
             <a:endParaRPr lang="en-US"/>
           </a:p>
@@ -2053,7 +2055,7 @@
           <a:p>
             <a:fld id="{E7E49A89-72C0-40C6-A55C-C6C12D525ACC}" type="datetimeFigureOut">
               <a:rPr lang="en-US" smtClean="0"/>
-              <a:t>6/6/2024</a:t>
+              <a:t>6/15/2024</a:t>
             </a:fld>
             <a:endParaRPr lang="en-US"/>
           </a:p>
@@ -2440,7 +2442,7 @@
           <a:p>
             <a:fld id="{E7E49A89-72C0-40C6-A55C-C6C12D525ACC}" type="datetimeFigureOut">
               <a:rPr lang="en-US" smtClean="0"/>
-              <a:t>6/6/2024</a:t>
+              <a:t>6/15/2024</a:t>
             </a:fld>
             <a:endParaRPr lang="en-US"/>
           </a:p>
@@ -2610,7 +2612,7 @@
           <a:p>
             <a:fld id="{E7E49A89-72C0-40C6-A55C-C6C12D525ACC}" type="datetimeFigureOut">
               <a:rPr lang="en-US" smtClean="0"/>
-              <a:t>6/6/2024</a:t>
+              <a:t>6/15/2024</a:t>
             </a:fld>
             <a:endParaRPr lang="en-US"/>
           </a:p>
@@ -2790,7 +2792,7 @@
           <a:p>
             <a:fld id="{E7E49A89-72C0-40C6-A55C-C6C12D525ACC}" type="datetimeFigureOut">
               <a:rPr lang="en-US" smtClean="0"/>
-              <a:t>6/6/2024</a:t>
+              <a:t>6/15/2024</a:t>
             </a:fld>
             <a:endParaRPr lang="en-US"/>
           </a:p>
@@ -2966,7 +2968,7 @@
           <a:p>
             <a:fld id="{E7E49A89-72C0-40C6-A55C-C6C12D525ACC}" type="datetimeFigureOut">
               <a:rPr lang="en-US" smtClean="0"/>
-              <a:t>6/6/2024</a:t>
+              <a:t>6/15/2024</a:t>
             </a:fld>
             <a:endParaRPr lang="en-US"/>
           </a:p>
@@ -3213,7 +3215,7 @@
           <a:p>
             <a:fld id="{E7E49A89-72C0-40C6-A55C-C6C12D525ACC}" type="datetimeFigureOut">
               <a:rPr lang="en-US" smtClean="0"/>
-              <a:t>6/6/2024</a:t>
+              <a:t>6/15/2024</a:t>
             </a:fld>
             <a:endParaRPr lang="en-US"/>
           </a:p>
@@ -3445,7 +3447,7 @@
           <a:p>
             <a:fld id="{E7E49A89-72C0-40C6-A55C-C6C12D525ACC}" type="datetimeFigureOut">
               <a:rPr lang="en-US" smtClean="0"/>
-              <a:t>6/6/2024</a:t>
+              <a:t>6/15/2024</a:t>
             </a:fld>
             <a:endParaRPr lang="en-US"/>
           </a:p>
@@ -3819,7 +3821,7 @@
           <a:p>
             <a:fld id="{E7E49A89-72C0-40C6-A55C-C6C12D525ACC}" type="datetimeFigureOut">
               <a:rPr lang="en-US" smtClean="0"/>
-              <a:t>6/6/2024</a:t>
+              <a:t>6/15/2024</a:t>
             </a:fld>
             <a:endParaRPr lang="en-US"/>
           </a:p>
@@ -3942,7 +3944,7 @@
           <a:p>
             <a:fld id="{E7E49A89-72C0-40C6-A55C-C6C12D525ACC}" type="datetimeFigureOut">
               <a:rPr lang="en-US" smtClean="0"/>
-              <a:t>6/6/2024</a:t>
+              <a:t>6/15/2024</a:t>
             </a:fld>
             <a:endParaRPr lang="en-US"/>
           </a:p>
@@ -4037,7 +4039,7 @@
           <a:p>
             <a:fld id="{E7E49A89-72C0-40C6-A55C-C6C12D525ACC}" type="datetimeFigureOut">
               <a:rPr lang="en-US" smtClean="0"/>
-              <a:t>6/6/2024</a:t>
+              <a:t>6/15/2024</a:t>
             </a:fld>
             <a:endParaRPr lang="en-US"/>
           </a:p>
@@ -4292,7 +4294,7 @@
           <a:p>
             <a:fld id="{E7E49A89-72C0-40C6-A55C-C6C12D525ACC}" type="datetimeFigureOut">
               <a:rPr lang="en-US" smtClean="0"/>
-              <a:t>6/6/2024</a:t>
+              <a:t>6/15/2024</a:t>
             </a:fld>
             <a:endParaRPr lang="en-US"/>
           </a:p>
@@ -4555,7 +4557,7 @@
           <a:p>
             <a:fld id="{E7E49A89-72C0-40C6-A55C-C6C12D525ACC}" type="datetimeFigureOut">
               <a:rPr lang="en-US" smtClean="0"/>
-              <a:t>6/6/2024</a:t>
+              <a:t>6/15/2024</a:t>
             </a:fld>
             <a:endParaRPr lang="en-US"/>
           </a:p>
@@ -5300,7 +5302,7 @@
           <a:p>
             <a:fld id="{E7E49A89-72C0-40C6-A55C-C6C12D525ACC}" type="datetimeFigureOut">
               <a:rPr lang="en-US" smtClean="0"/>
-              <a:t>6/6/2024</a:t>
+              <a:t>6/15/2024</a:t>
             </a:fld>
             <a:endParaRPr lang="en-US"/>
           </a:p>
@@ -6047,6 +6049,616 @@
                 <a:latin typeface="Arial" panose="020B0604020202020204" pitchFamily="34" charset="0"/>
                 <a:cs typeface="Arial" panose="020B0604020202020204" pitchFamily="34" charset="0"/>
               </a:rPr>
+              <a:t>Initial project Spring</a:t>
+            </a:r>
+            <a:endParaRPr lang="en-US" dirty="0">
+              <a:latin typeface="Arial" panose="020B0604020202020204" pitchFamily="34" charset="0"/>
+              <a:cs typeface="Arial" panose="020B0604020202020204" pitchFamily="34" charset="0"/>
+            </a:endParaRPr>
+          </a:p>
+        </p:txBody>
+      </p:sp>
+      <p:sp>
+        <p:nvSpPr>
+          <p:cNvPr id="3" name="Content Placeholder 2"/>
+          <p:cNvSpPr>
+            <a:spLocks noGrp="1"/>
+          </p:cNvSpPr>
+          <p:nvPr>
+            <p:ph idx="1"/>
+          </p:nvPr>
+        </p:nvSpPr>
+        <p:spPr/>
+        <p:txBody>
+          <a:bodyPr/>
+          <a:lstStyle/>
+          <a:p>
+            <a:r>
+              <a:rPr lang="en-US" dirty="0" smtClean="0">
+                <a:latin typeface="Arial" panose="020B0604020202020204" pitchFamily="34" charset="0"/>
+                <a:cs typeface="Arial" panose="020B0604020202020204" pitchFamily="34" charset="0"/>
+              </a:rPr>
+              <a:t>Console sau khi start thành công</a:t>
+            </a:r>
+          </a:p>
+        </p:txBody>
+      </p:sp>
+      <p:grpSp>
+        <p:nvGrpSpPr>
+          <p:cNvPr id="5" name="Group 4"/>
+          <p:cNvGrpSpPr/>
+          <p:nvPr/>
+        </p:nvGrpSpPr>
+        <p:grpSpPr>
+          <a:xfrm>
+            <a:off x="1148709" y="2796247"/>
+            <a:ext cx="9894583" cy="2980795"/>
+            <a:chOff x="1148709" y="2796247"/>
+            <a:chExt cx="9894583" cy="2980795"/>
+          </a:xfrm>
+        </p:grpSpPr>
+        <p:pic>
+          <p:nvPicPr>
+            <p:cNvPr id="6" name="Picture 5"/>
+            <p:cNvPicPr>
+              <a:picLocks noChangeAspect="1"/>
+            </p:cNvPicPr>
+            <p:nvPr/>
+          </p:nvPicPr>
+          <p:blipFill>
+            <a:blip r:embed="rId2"/>
+            <a:stretch>
+              <a:fillRect/>
+            </a:stretch>
+          </p:blipFill>
+          <p:spPr>
+            <a:xfrm>
+              <a:off x="1148709" y="2796247"/>
+              <a:ext cx="9894583" cy="2980795"/>
+            </a:xfrm>
+            <a:prstGeom prst="rect">
+              <a:avLst/>
+            </a:prstGeom>
+          </p:spPr>
+        </p:pic>
+        <p:sp>
+          <p:nvSpPr>
+            <p:cNvPr id="4" name="Rectangle 3"/>
+            <p:cNvSpPr/>
+            <p:nvPr/>
+          </p:nvSpPr>
+          <p:spPr>
+            <a:xfrm>
+              <a:off x="7103708" y="5436636"/>
+              <a:ext cx="2861388" cy="155510"/>
+            </a:xfrm>
+            <a:prstGeom prst="rect">
+              <a:avLst/>
+            </a:prstGeom>
+            <a:noFill/>
+            <a:ln w="9525" cap="flat" cmpd="sng" algn="ctr">
+              <a:solidFill>
+                <a:schemeClr val="accent5"/>
+              </a:solidFill>
+              <a:prstDash val="solid"/>
+              <a:round/>
+              <a:headEnd type="none" w="med" len="med"/>
+              <a:tailEnd type="none" w="med" len="med"/>
+            </a:ln>
+          </p:spPr>
+          <p:style>
+            <a:lnRef idx="0">
+              <a:scrgbClr r="0" g="0" b="0"/>
+            </a:lnRef>
+            <a:fillRef idx="0">
+              <a:scrgbClr r="0" g="0" b="0"/>
+            </a:fillRef>
+            <a:effectRef idx="0">
+              <a:scrgbClr r="0" g="0" b="0"/>
+            </a:effectRef>
+            <a:fontRef idx="minor">
+              <a:schemeClr val="accent5"/>
+            </a:fontRef>
+          </p:style>
+          <p:txBody>
+            <a:bodyPr rtlCol="0" anchor="ctr"/>
+            <a:lstStyle/>
+            <a:p>
+              <a:pPr algn="ctr"/>
+              <a:endParaRPr lang="en-US"/>
+            </a:p>
+          </p:txBody>
+        </p:sp>
+      </p:grpSp>
+      <p:sp>
+        <p:nvSpPr>
+          <p:cNvPr id="7" name="Rectangle 6"/>
+          <p:cNvSpPr/>
+          <p:nvPr/>
+        </p:nvSpPr>
+        <p:spPr>
+          <a:xfrm>
+            <a:off x="6010979" y="4057422"/>
+            <a:ext cx="5032313" cy="1194318"/>
+          </a:xfrm>
+          <a:prstGeom prst="rect">
+            <a:avLst/>
+          </a:prstGeom>
+        </p:spPr>
+        <p:style>
+          <a:lnRef idx="2">
+            <a:schemeClr val="accent1">
+              <a:shade val="50000"/>
+            </a:schemeClr>
+          </a:lnRef>
+          <a:fillRef idx="1">
+            <a:schemeClr val="accent1"/>
+          </a:fillRef>
+          <a:effectRef idx="0">
+            <a:schemeClr val="accent1"/>
+          </a:effectRef>
+          <a:fontRef idx="minor">
+            <a:schemeClr val="lt1"/>
+          </a:fontRef>
+        </p:style>
+        <p:txBody>
+          <a:bodyPr rtlCol="0" anchor="ctr"/>
+          <a:lstStyle/>
+          <a:p>
+            <a:pPr algn="ctr"/>
+            <a:r>
+              <a:rPr lang="en-US" dirty="0" smtClean="0">
+                <a:latin typeface="Arial" panose="020B0604020202020204" pitchFamily="34" charset="0"/>
+                <a:cs typeface="Arial" panose="020B0604020202020204" pitchFamily="34" charset="0"/>
+              </a:rPr>
+              <a:t>Khi start 1 SpringApplication thì mặc định sẽ chạy bằng Tomcat server port 8080 và path mặc định là /</a:t>
+            </a:r>
+            <a:endParaRPr lang="en-US" dirty="0">
+              <a:latin typeface="Arial" panose="020B0604020202020204" pitchFamily="34" charset="0"/>
+              <a:cs typeface="Arial" panose="020B0604020202020204" pitchFamily="34" charset="0"/>
+            </a:endParaRPr>
+          </a:p>
+        </p:txBody>
+      </p:sp>
+    </p:spTree>
+    <p:extLst>
+      <p:ext uri="{BB962C8B-B14F-4D97-AF65-F5344CB8AC3E}">
+        <p14:creationId xmlns:p14="http://schemas.microsoft.com/office/powerpoint/2010/main" val="2823501615"/>
+      </p:ext>
+    </p:extLst>
+  </p:cSld>
+  <p:clrMapOvr>
+    <a:masterClrMapping/>
+  </p:clrMapOvr>
+</p:sld>
+</file>
+
+<file path=ppt/slides/slide12.xml><?xml version="1.0" encoding="utf-8"?>
+<p:sld xmlns:a="http://schemas.openxmlformats.org/drawingml/2006/main" xmlns:r="http://schemas.openxmlformats.org/officeDocument/2006/relationships" xmlns:p="http://schemas.openxmlformats.org/presentationml/2006/main">
+  <p:cSld>
+    <p:spTree>
+      <p:nvGrpSpPr>
+        <p:cNvPr id="1" name=""/>
+        <p:cNvGrpSpPr/>
+        <p:nvPr/>
+      </p:nvGrpSpPr>
+      <p:grpSpPr>
+        <a:xfrm>
+          <a:off x="0" y="0"/>
+          <a:ext cx="0" cy="0"/>
+          <a:chOff x="0" y="0"/>
+          <a:chExt cx="0" cy="0"/>
+        </a:xfrm>
+      </p:grpSpPr>
+      <p:sp>
+        <p:nvSpPr>
+          <p:cNvPr id="2" name="Title 1"/>
+          <p:cNvSpPr>
+            <a:spLocks noGrp="1"/>
+          </p:cNvSpPr>
+          <p:nvPr>
+            <p:ph type="title"/>
+          </p:nvPr>
+        </p:nvSpPr>
+        <p:spPr/>
+        <p:txBody>
+          <a:bodyPr/>
+          <a:lstStyle/>
+          <a:p>
+            <a:r>
+              <a:rPr lang="en-US" dirty="0" smtClean="0">
+                <a:latin typeface="Arial" panose="020B0604020202020204" pitchFamily="34" charset="0"/>
+                <a:cs typeface="Arial" panose="020B0604020202020204" pitchFamily="34" charset="0"/>
+              </a:rPr>
+              <a:t>Initial project Spring</a:t>
+            </a:r>
+            <a:endParaRPr lang="en-US" dirty="0">
+              <a:latin typeface="Arial" panose="020B0604020202020204" pitchFamily="34" charset="0"/>
+              <a:cs typeface="Arial" panose="020B0604020202020204" pitchFamily="34" charset="0"/>
+            </a:endParaRPr>
+          </a:p>
+        </p:txBody>
+      </p:sp>
+      <p:sp>
+        <p:nvSpPr>
+          <p:cNvPr id="3" name="Content Placeholder 2"/>
+          <p:cNvSpPr>
+            <a:spLocks noGrp="1"/>
+          </p:cNvSpPr>
+          <p:nvPr>
+            <p:ph idx="1"/>
+          </p:nvPr>
+        </p:nvSpPr>
+        <p:spPr/>
+        <p:txBody>
+          <a:bodyPr/>
+          <a:lstStyle/>
+          <a:p>
+            <a:r>
+              <a:rPr lang="en-US" dirty="0">
+                <a:latin typeface="Arial" panose="020B0604020202020204" pitchFamily="34" charset="0"/>
+                <a:cs typeface="Arial" panose="020B0604020202020204" pitchFamily="34" charset="0"/>
+              </a:rPr>
+              <a:t>Để thay đổi port và path thì chúng ta thay đổi trong </a:t>
+            </a:r>
+            <a:r>
+              <a:rPr lang="en-US" dirty="0" smtClean="0">
+                <a:latin typeface="Arial" panose="020B0604020202020204" pitchFamily="34" charset="0"/>
+                <a:cs typeface="Arial" panose="020B0604020202020204" pitchFamily="34" charset="0"/>
+              </a:rPr>
+              <a:t>application.properties</a:t>
+            </a:r>
+          </a:p>
+          <a:p>
+            <a:endParaRPr lang="en-US" dirty="0">
+              <a:latin typeface="Arial" panose="020B0604020202020204" pitchFamily="34" charset="0"/>
+              <a:cs typeface="Arial" panose="020B0604020202020204" pitchFamily="34" charset="0"/>
+            </a:endParaRPr>
+          </a:p>
+          <a:p>
+            <a:endParaRPr lang="en-US" dirty="0" smtClean="0">
+              <a:latin typeface="Arial" panose="020B0604020202020204" pitchFamily="34" charset="0"/>
+              <a:cs typeface="Arial" panose="020B0604020202020204" pitchFamily="34" charset="0"/>
+            </a:endParaRPr>
+          </a:p>
+          <a:p>
+            <a:endParaRPr lang="en-US" dirty="0">
+              <a:latin typeface="Arial" panose="020B0604020202020204" pitchFamily="34" charset="0"/>
+              <a:cs typeface="Arial" panose="020B0604020202020204" pitchFamily="34" charset="0"/>
+            </a:endParaRPr>
+          </a:p>
+          <a:p>
+            <a:r>
+              <a:rPr lang="en-US" dirty="0" smtClean="0">
+                <a:latin typeface="Arial" panose="020B0604020202020204" pitchFamily="34" charset="0"/>
+                <a:cs typeface="Arial" panose="020B0604020202020204" pitchFamily="34" charset="0"/>
+              </a:rPr>
+              <a:t>Kết quả</a:t>
+            </a:r>
+            <a:endParaRPr lang="en-US" dirty="0" smtClean="0">
+              <a:latin typeface="Arial" panose="020B0604020202020204" pitchFamily="34" charset="0"/>
+              <a:cs typeface="Arial" panose="020B0604020202020204" pitchFamily="34" charset="0"/>
+            </a:endParaRPr>
+          </a:p>
+        </p:txBody>
+      </p:sp>
+      <p:sp>
+        <p:nvSpPr>
+          <p:cNvPr id="8" name="Rectangle 1"/>
+          <p:cNvSpPr>
+            <a:spLocks noChangeArrowheads="1"/>
+          </p:cNvSpPr>
+          <p:nvPr/>
+        </p:nvSpPr>
+        <p:spPr bwMode="auto">
+          <a:xfrm>
+            <a:off x="1132027" y="2654318"/>
+            <a:ext cx="2670615" cy="369332"/>
+          </a:xfrm>
+          <a:prstGeom prst="rect">
+            <a:avLst/>
+          </a:prstGeom>
+          <a:solidFill>
+            <a:srgbClr val="282A36"/>
+          </a:solidFill>
+          <a:ln>
+            <a:noFill/>
+          </a:ln>
+          <a:effectLst/>
+          <a:extLst>
+            <a:ext uri="{91240B29-F687-4F45-9708-019B960494DF}">
+              <a14:hiddenLine xmlns:a14="http://schemas.microsoft.com/office/drawing/2010/main" w="9525">
+                <a:solidFill>
+                  <a:schemeClr val="tx1"/>
+                </a:solidFill>
+                <a:miter lim="800000"/>
+                <a:headEnd/>
+                <a:tailEnd/>
+              </a14:hiddenLine>
+            </a:ext>
+            <a:ext uri="{AF507438-7753-43E0-B8FC-AC1667EBCBE1}">
+              <a14:hiddenEffects xmlns:a14="http://schemas.microsoft.com/office/drawing/2010/main">
+                <a:effectLst>
+                  <a:outerShdw dist="35921" dir="2700000" algn="ctr" rotWithShape="0">
+                    <a:schemeClr val="bg2"/>
+                  </a:outerShdw>
+                </a:effectLst>
+              </a14:hiddenEffects>
+            </a:ext>
+          </a:extLst>
+        </p:spPr>
+        <p:txBody>
+          <a:bodyPr vert="horz" wrap="square" lIns="91440" tIns="45720" rIns="91440" bIns="45720" numCol="1" anchor="ctr" anchorCtr="0" compatLnSpc="1">
+            <a:prstTxWarp prst="textNoShape">
+              <a:avLst/>
+            </a:prstTxWarp>
+            <a:spAutoFit/>
+          </a:bodyPr>
+          <a:lstStyle/>
+          <a:p>
+            <a:pPr marL="0" marR="0" lvl="0" indent="0" algn="l" defTabSz="914400" rtl="0" eaLnBrk="0" fontAlgn="base" latinLnBrk="0" hangingPunct="0">
+              <a:lnSpc>
+                <a:spcPct val="100000"/>
+              </a:lnSpc>
+              <a:spcBef>
+                <a:spcPct val="0"/>
+              </a:spcBef>
+              <a:spcAft>
+                <a:spcPct val="0"/>
+              </a:spcAft>
+              <a:buClrTx/>
+              <a:buSzTx/>
+              <a:buFontTx/>
+              <a:buNone/>
+              <a:tabLst/>
+            </a:pPr>
+            <a:r>
+              <a:rPr kumimoji="0" lang="en-US" altLang="en-US" sz="900" b="0" i="0" u="none" strike="noStrike" cap="none" normalizeH="0" baseline="0" smtClean="0">
+                <a:ln>
+                  <a:noFill/>
+                </a:ln>
+                <a:solidFill>
+                  <a:srgbClr val="80FFEA"/>
+                </a:solidFill>
+                <a:effectLst/>
+                <a:latin typeface="Arial Unicode MS"/>
+                <a:ea typeface="JetBrains Mono"/>
+              </a:rPr>
+              <a:t>server.port</a:t>
+            </a:r>
+            <a:r>
+              <a:rPr kumimoji="0" lang="en-US" altLang="en-US" sz="900" b="0" i="0" u="none" strike="noStrike" cap="none" normalizeH="0" baseline="0" smtClean="0">
+                <a:ln>
+                  <a:noFill/>
+                </a:ln>
+                <a:solidFill>
+                  <a:srgbClr val="F780BF"/>
+                </a:solidFill>
+                <a:effectLst/>
+                <a:latin typeface="Arial Unicode MS"/>
+                <a:ea typeface="JetBrains Mono"/>
+              </a:rPr>
+              <a:t>=</a:t>
+            </a:r>
+            <a:r>
+              <a:rPr kumimoji="0" lang="en-US" altLang="en-US" sz="900" b="0" i="0" u="none" strike="noStrike" cap="none" normalizeH="0" baseline="0" smtClean="0">
+                <a:ln>
+                  <a:noFill/>
+                </a:ln>
+                <a:solidFill>
+                  <a:srgbClr val="9580FF"/>
+                </a:solidFill>
+                <a:effectLst/>
+                <a:latin typeface="Arial Unicode MS"/>
+                <a:ea typeface="JetBrains Mono"/>
+              </a:rPr>
+              <a:t>8081</a:t>
+            </a:r>
+            <a:br>
+              <a:rPr kumimoji="0" lang="en-US" altLang="en-US" sz="900" b="0" i="0" u="none" strike="noStrike" cap="none" normalizeH="0" baseline="0" smtClean="0">
+                <a:ln>
+                  <a:noFill/>
+                </a:ln>
+                <a:solidFill>
+                  <a:srgbClr val="9580FF"/>
+                </a:solidFill>
+                <a:effectLst/>
+                <a:latin typeface="Arial Unicode MS"/>
+                <a:ea typeface="JetBrains Mono"/>
+              </a:rPr>
+            </a:br>
+            <a:r>
+              <a:rPr kumimoji="0" lang="en-US" altLang="en-US" sz="900" b="0" i="0" u="none" strike="noStrike" cap="none" normalizeH="0" baseline="0" smtClean="0">
+                <a:ln>
+                  <a:noFill/>
+                </a:ln>
+                <a:solidFill>
+                  <a:srgbClr val="80FFEA"/>
+                </a:solidFill>
+                <a:effectLst/>
+                <a:latin typeface="Arial Unicode MS"/>
+                <a:ea typeface="JetBrains Mono"/>
+              </a:rPr>
+              <a:t>server.servlet.context-path</a:t>
+            </a:r>
+            <a:r>
+              <a:rPr kumimoji="0" lang="en-US" altLang="en-US" sz="900" b="0" i="0" u="none" strike="noStrike" cap="none" normalizeH="0" baseline="0" smtClean="0">
+                <a:ln>
+                  <a:noFill/>
+                </a:ln>
+                <a:solidFill>
+                  <a:srgbClr val="F780BF"/>
+                </a:solidFill>
+                <a:effectLst/>
+                <a:latin typeface="Arial Unicode MS"/>
+                <a:ea typeface="JetBrains Mono"/>
+              </a:rPr>
+              <a:t>=</a:t>
+            </a:r>
+            <a:r>
+              <a:rPr kumimoji="0" lang="en-US" altLang="en-US" sz="900" b="0" i="0" u="none" strike="noStrike" cap="none" normalizeH="0" baseline="0" smtClean="0">
+                <a:ln>
+                  <a:noFill/>
+                </a:ln>
+                <a:solidFill>
+                  <a:srgbClr val="FEFF80"/>
+                </a:solidFill>
+                <a:effectLst/>
+                <a:latin typeface="Arial Unicode MS"/>
+                <a:ea typeface="JetBrains Mono"/>
+              </a:rPr>
+              <a:t>/api/v2</a:t>
+            </a:r>
+            <a:endParaRPr kumimoji="0" lang="en-US" altLang="en-US" sz="1800" b="0" i="0" u="none" strike="noStrike" cap="none" normalizeH="0" baseline="0" smtClean="0">
+              <a:ln>
+                <a:noFill/>
+              </a:ln>
+              <a:solidFill>
+                <a:schemeClr val="tx1"/>
+              </a:solidFill>
+              <a:effectLst/>
+              <a:latin typeface="Arial" panose="020B0604020202020204" pitchFamily="34" charset="0"/>
+            </a:endParaRPr>
+          </a:p>
+        </p:txBody>
+      </p:sp>
+      <p:grpSp>
+        <p:nvGrpSpPr>
+          <p:cNvPr id="12" name="Group 11"/>
+          <p:cNvGrpSpPr/>
+          <p:nvPr/>
+        </p:nvGrpSpPr>
+        <p:grpSpPr>
+          <a:xfrm>
+            <a:off x="1132027" y="4210388"/>
+            <a:ext cx="9947812" cy="1632341"/>
+            <a:chOff x="1132027" y="4210388"/>
+            <a:chExt cx="9947812" cy="1632341"/>
+          </a:xfrm>
+        </p:grpSpPr>
+        <p:pic>
+          <p:nvPicPr>
+            <p:cNvPr id="10" name="Picture 9"/>
+            <p:cNvPicPr>
+              <a:picLocks noChangeAspect="1"/>
+            </p:cNvPicPr>
+            <p:nvPr/>
+          </p:nvPicPr>
+          <p:blipFill>
+            <a:blip r:embed="rId2"/>
+            <a:stretch>
+              <a:fillRect/>
+            </a:stretch>
+          </p:blipFill>
+          <p:spPr>
+            <a:xfrm>
+              <a:off x="1132027" y="4210388"/>
+              <a:ext cx="9947812" cy="1632341"/>
+            </a:xfrm>
+            <a:prstGeom prst="rect">
+              <a:avLst/>
+            </a:prstGeom>
+          </p:spPr>
+        </p:pic>
+        <p:sp>
+          <p:nvSpPr>
+            <p:cNvPr id="11" name="Rectangle 10"/>
+            <p:cNvSpPr/>
+            <p:nvPr/>
+          </p:nvSpPr>
+          <p:spPr>
+            <a:xfrm>
+              <a:off x="7229831" y="5449249"/>
+              <a:ext cx="2973611" cy="155510"/>
+            </a:xfrm>
+            <a:prstGeom prst="rect">
+              <a:avLst/>
+            </a:prstGeom>
+            <a:noFill/>
+            <a:ln w="9525" cap="flat" cmpd="sng" algn="ctr">
+              <a:solidFill>
+                <a:schemeClr val="accent5"/>
+              </a:solidFill>
+              <a:prstDash val="solid"/>
+              <a:round/>
+              <a:headEnd type="none" w="med" len="med"/>
+              <a:tailEnd type="none" w="med" len="med"/>
+            </a:ln>
+          </p:spPr>
+          <p:style>
+            <a:lnRef idx="0">
+              <a:scrgbClr r="0" g="0" b="0"/>
+            </a:lnRef>
+            <a:fillRef idx="0">
+              <a:scrgbClr r="0" g="0" b="0"/>
+            </a:fillRef>
+            <a:effectRef idx="0">
+              <a:scrgbClr r="0" g="0" b="0"/>
+            </a:effectRef>
+            <a:fontRef idx="minor">
+              <a:schemeClr val="accent5"/>
+            </a:fontRef>
+          </p:style>
+          <p:txBody>
+            <a:bodyPr rtlCol="0" anchor="ctr"/>
+            <a:lstStyle/>
+            <a:p>
+              <a:pPr algn="ctr"/>
+              <a:endParaRPr lang="en-US"/>
+            </a:p>
+          </p:txBody>
+        </p:sp>
+      </p:grpSp>
+    </p:spTree>
+    <p:extLst>
+      <p:ext uri="{BB962C8B-B14F-4D97-AF65-F5344CB8AC3E}">
+        <p14:creationId xmlns:p14="http://schemas.microsoft.com/office/powerpoint/2010/main" val="574260229"/>
+      </p:ext>
+    </p:extLst>
+  </p:cSld>
+  <p:clrMapOvr>
+    <a:masterClrMapping/>
+  </p:clrMapOvr>
+</p:sld>
+</file>
+
+<file path=ppt/slides/slide13.xml><?xml version="1.0" encoding="utf-8"?>
+<p:sld xmlns:a="http://schemas.openxmlformats.org/drawingml/2006/main" xmlns:r="http://schemas.openxmlformats.org/officeDocument/2006/relationships" xmlns:p="http://schemas.openxmlformats.org/presentationml/2006/main">
+  <p:cSld>
+    <p:spTree>
+      <p:nvGrpSpPr>
+        <p:cNvPr id="1" name=""/>
+        <p:cNvGrpSpPr/>
+        <p:nvPr/>
+      </p:nvGrpSpPr>
+      <p:grpSpPr>
+        <a:xfrm>
+          <a:off x="0" y="0"/>
+          <a:ext cx="0" cy="0"/>
+          <a:chOff x="0" y="0"/>
+          <a:chExt cx="0" cy="0"/>
+        </a:xfrm>
+      </p:grpSpPr>
+      <p:sp>
+        <p:nvSpPr>
+          <p:cNvPr id="2" name="Title 1"/>
+          <p:cNvSpPr>
+            <a:spLocks noGrp="1"/>
+          </p:cNvSpPr>
+          <p:nvPr>
+            <p:ph type="title"/>
+          </p:nvPr>
+        </p:nvSpPr>
+        <p:spPr/>
+        <p:txBody>
+          <a:bodyPr/>
+          <a:lstStyle/>
+          <a:p>
+            <a:r>
+              <a:rPr lang="en-US" dirty="0" smtClean="0">
+                <a:latin typeface="Arial" panose="020B0604020202020204" pitchFamily="34" charset="0"/>
+                <a:cs typeface="Arial" panose="020B0604020202020204" pitchFamily="34" charset="0"/>
+              </a:rPr>
               <a:t>Helloworld</a:t>
             </a:r>
             <a:endParaRPr lang="en-US" dirty="0">
@@ -6149,7 +6761,7 @@
 </p:sld>
 </file>
 
-<file path=ppt/slides/slide12.xml><?xml version="1.0" encoding="utf-8"?>
+<file path=ppt/slides/slide14.xml><?xml version="1.0" encoding="utf-8"?>
 <p:sld xmlns:a="http://schemas.openxmlformats.org/drawingml/2006/main" xmlns:r="http://schemas.openxmlformats.org/officeDocument/2006/relationships" xmlns:p="http://schemas.openxmlformats.org/presentationml/2006/main">
   <p:cSld>
     <p:spTree>
@@ -6341,10 +6953,6 @@
               </a:rPr>
               <a:t>Trong năm 2023 thì Spring là framework backend phổ biến nhất trên github.</a:t>
             </a:r>
-            <a:endParaRPr lang="en-US" dirty="0" smtClean="0">
-              <a:latin typeface="Arial" panose="020B0604020202020204" pitchFamily="34" charset="0"/>
-              <a:cs typeface="Arial" panose="020B0604020202020204" pitchFamily="34" charset="0"/>
-            </a:endParaRPr>
           </a:p>
           <a:p>
             <a:endParaRPr lang="en-US" dirty="0" smtClean="0">
@@ -6564,7 +7172,7 @@
                 <a:cs typeface="Arial" panose="020B0604020202020204" pitchFamily="34" charset="0"/>
                 <a:hlinkClick r:id="rId3"/>
               </a:rPr>
-              <a:t>https://</a:t>
+              <a:t>https://www.jetbrains.com/idea/download/?</a:t>
             </a:r>
             <a:r>
               <a:rPr lang="en-US" dirty="0" smtClean="0">
@@ -6572,7 +7180,7 @@
                 <a:cs typeface="Arial" panose="020B0604020202020204" pitchFamily="34" charset="0"/>
                 <a:hlinkClick r:id="rId3"/>
               </a:rPr>
-              <a:t>www.jetbrains.com/idea/download/download-thanks.html?platform=windows&amp;code=IIC</a:t>
+              <a:t>section=windows</a:t>
             </a:r>
             <a:endParaRPr lang="en-US" dirty="0" smtClean="0">
               <a:latin typeface="Arial" panose="020B0604020202020204" pitchFamily="34" charset="0"/>
@@ -6582,11 +7190,18 @@
           <a:p>
             <a:pPr lvl="2"/>
             <a:r>
+              <a:rPr lang="en-US" dirty="0" smtClean="0">
+                <a:latin typeface="Arial" panose="020B0604020202020204" pitchFamily="34" charset="0"/>
+                <a:cs typeface="Arial" panose="020B0604020202020204" pitchFamily="34" charset="0"/>
+              </a:rPr>
+              <a:t>Nếu </a:t>
+            </a:r>
+            <a:r>
               <a:rPr lang="en-US" dirty="0">
                 <a:latin typeface="Arial" panose="020B0604020202020204" pitchFamily="34" charset="0"/>
                 <a:cs typeface="Arial" panose="020B0604020202020204" pitchFamily="34" charset="0"/>
               </a:rPr>
-              <a:t>Nếu có điều kiện thì mua IntelliJ IDEA </a:t>
+              <a:t>có điều kiện thì mua IntelliJ IDEA </a:t>
             </a:r>
             <a:r>
               <a:rPr lang="en-US" dirty="0" smtClean="0">
